--- a/presentations/2022/02_08_2022/Updated Plots.pptx
+++ b/presentations/2022/02_08_2022/Updated Plots.pptx
@@ -26,10 +26,8 @@
     <p:sldId id="274" r:id="rId20"/>
     <p:sldId id="275" r:id="rId21"/>
     <p:sldId id="276" r:id="rId22"/>
-    <p:sldId id="277" r:id="rId23"/>
-    <p:sldId id="278" r:id="rId24"/>
-    <p:sldId id="279" r:id="rId25"/>
-    <p:sldId id="280" r:id="rId26"/>
+    <p:sldId id="280" r:id="rId23"/>
+    <p:sldId id="279" r:id="rId24"/>
   </p:sldIdLst>
   <p:sldSz cx="12192000" cy="6858000"/>
   <p:notesSz cx="6858000" cy="9144000"/>
@@ -128,6 +126,11 @@
       </a:defRPr>
     </a:lvl9pPr>
   </p:defaultTextStyle>
+  <p:extLst>
+    <p:ext uri="{EFAFB233-063F-42B5-8137-9DF3F51BA10A}">
+      <p15:sldGuideLst xmlns:p15="http://schemas.microsoft.com/office/powerpoint/2012/main"/>
+    </p:ext>
+  </p:extLst>
 </p:presentation>
 </file>
 
@@ -262,7 +265,7 @@
           <a:p>
             <a:fld id="{55C2FB4B-0BFC-4E36-A2BD-627C32381641}" type="datetimeFigureOut">
               <a:rPr lang="en-US" smtClean="0"/>
-              <a:t>2/8/2022</a:t>
+              <a:t>2/10/2022</a:t>
             </a:fld>
             <a:endParaRPr lang="en-US"/>
           </a:p>
@@ -432,7 +435,7 @@
           <a:p>
             <a:fld id="{55C2FB4B-0BFC-4E36-A2BD-627C32381641}" type="datetimeFigureOut">
               <a:rPr lang="en-US" smtClean="0"/>
-              <a:t>2/8/2022</a:t>
+              <a:t>2/10/2022</a:t>
             </a:fld>
             <a:endParaRPr lang="en-US"/>
           </a:p>
@@ -612,7 +615,7 @@
           <a:p>
             <a:fld id="{55C2FB4B-0BFC-4E36-A2BD-627C32381641}" type="datetimeFigureOut">
               <a:rPr lang="en-US" smtClean="0"/>
-              <a:t>2/8/2022</a:t>
+              <a:t>2/10/2022</a:t>
             </a:fld>
             <a:endParaRPr lang="en-US"/>
           </a:p>
@@ -782,7 +785,7 @@
           <a:p>
             <a:fld id="{55C2FB4B-0BFC-4E36-A2BD-627C32381641}" type="datetimeFigureOut">
               <a:rPr lang="en-US" smtClean="0"/>
-              <a:t>2/8/2022</a:t>
+              <a:t>2/10/2022</a:t>
             </a:fld>
             <a:endParaRPr lang="en-US"/>
           </a:p>
@@ -1028,7 +1031,7 @@
           <a:p>
             <a:fld id="{55C2FB4B-0BFC-4E36-A2BD-627C32381641}" type="datetimeFigureOut">
               <a:rPr lang="en-US" smtClean="0"/>
-              <a:t>2/8/2022</a:t>
+              <a:t>2/10/2022</a:t>
             </a:fld>
             <a:endParaRPr lang="en-US"/>
           </a:p>
@@ -1260,7 +1263,7 @@
           <a:p>
             <a:fld id="{55C2FB4B-0BFC-4E36-A2BD-627C32381641}" type="datetimeFigureOut">
               <a:rPr lang="en-US" smtClean="0"/>
-              <a:t>2/8/2022</a:t>
+              <a:t>2/10/2022</a:t>
             </a:fld>
             <a:endParaRPr lang="en-US"/>
           </a:p>
@@ -1627,7 +1630,7 @@
           <a:p>
             <a:fld id="{55C2FB4B-0BFC-4E36-A2BD-627C32381641}" type="datetimeFigureOut">
               <a:rPr lang="en-US" smtClean="0"/>
-              <a:t>2/8/2022</a:t>
+              <a:t>2/10/2022</a:t>
             </a:fld>
             <a:endParaRPr lang="en-US"/>
           </a:p>
@@ -1745,7 +1748,7 @@
           <a:p>
             <a:fld id="{55C2FB4B-0BFC-4E36-A2BD-627C32381641}" type="datetimeFigureOut">
               <a:rPr lang="en-US" smtClean="0"/>
-              <a:t>2/8/2022</a:t>
+              <a:t>2/10/2022</a:t>
             </a:fld>
             <a:endParaRPr lang="en-US"/>
           </a:p>
@@ -1840,7 +1843,7 @@
           <a:p>
             <a:fld id="{55C2FB4B-0BFC-4E36-A2BD-627C32381641}" type="datetimeFigureOut">
               <a:rPr lang="en-US" smtClean="0"/>
-              <a:t>2/8/2022</a:t>
+              <a:t>2/10/2022</a:t>
             </a:fld>
             <a:endParaRPr lang="en-US"/>
           </a:p>
@@ -2117,7 +2120,7 @@
           <a:p>
             <a:fld id="{55C2FB4B-0BFC-4E36-A2BD-627C32381641}" type="datetimeFigureOut">
               <a:rPr lang="en-US" smtClean="0"/>
-              <a:t>2/8/2022</a:t>
+              <a:t>2/10/2022</a:t>
             </a:fld>
             <a:endParaRPr lang="en-US"/>
           </a:p>
@@ -2370,7 +2373,7 @@
           <a:p>
             <a:fld id="{55C2FB4B-0BFC-4E36-A2BD-627C32381641}" type="datetimeFigureOut">
               <a:rPr lang="en-US" smtClean="0"/>
-              <a:t>2/8/2022</a:t>
+              <a:t>2/10/2022</a:t>
             </a:fld>
             <a:endParaRPr lang="en-US"/>
           </a:p>
@@ -2583,7 +2586,7 @@
           <a:p>
             <a:fld id="{55C2FB4B-0BFC-4E36-A2BD-627C32381641}" type="datetimeFigureOut">
               <a:rPr lang="en-US" smtClean="0"/>
-              <a:t>2/8/2022</a:t>
+              <a:t>2/10/2022</a:t>
             </a:fld>
             <a:endParaRPr lang="en-US"/>
           </a:p>
@@ -3877,7 +3880,7 @@
     </p:spTree>
     <p:extLst>
       <p:ext uri="{BB962C8B-B14F-4D97-AF65-F5344CB8AC3E}">
-        <p14:creationId xmlns:p14="http://schemas.microsoft.com/office/powerpoint/2010/main" val="3932046416"/>
+        <p14:creationId xmlns:p14="http://schemas.microsoft.com/office/powerpoint/2010/main" val="824985990"/>
       </p:ext>
     </p:extLst>
   </p:cSld>
@@ -3906,7 +3909,7 @@
       </p:grpSpPr>
       <p:pic>
         <p:nvPicPr>
-          <p:cNvPr id="2" name="Picture 1"/>
+          <p:cNvPr id="3" name="Picture 2"/>
           <p:cNvPicPr>
             <a:picLocks noChangeAspect="1"/>
           </p:cNvPicPr>
@@ -3937,97 +3940,7 @@
     </p:spTree>
     <p:extLst>
       <p:ext uri="{BB962C8B-B14F-4D97-AF65-F5344CB8AC3E}">
-        <p14:creationId xmlns:p14="http://schemas.microsoft.com/office/powerpoint/2010/main" val="1776031656"/>
-      </p:ext>
-    </p:extLst>
-  </p:cSld>
-  <p:clrMapOvr>
-    <a:masterClrMapping/>
-  </p:clrMapOvr>
-</p:sld>
-</file>
-
-<file path=ppt/slides/slide24.xml><?xml version="1.0" encoding="utf-8"?>
-<p:sld xmlns:a="http://schemas.openxmlformats.org/drawingml/2006/main" xmlns:r="http://schemas.openxmlformats.org/officeDocument/2006/relationships" xmlns:p="http://schemas.openxmlformats.org/presentationml/2006/main">
-  <p:cSld>
-    <p:spTree>
-      <p:nvGrpSpPr>
-        <p:cNvPr id="1" name=""/>
-        <p:cNvGrpSpPr/>
-        <p:nvPr/>
-      </p:nvGrpSpPr>
-      <p:grpSpPr>
-        <a:xfrm>
-          <a:off x="0" y="0"/>
-          <a:ext cx="0" cy="0"/>
-          <a:chOff x="0" y="0"/>
-          <a:chExt cx="0" cy="0"/>
-        </a:xfrm>
-      </p:grpSpPr>
-      <p:pic>
-        <p:nvPicPr>
-          <p:cNvPr id="2" name="Picture 1"/>
-          <p:cNvPicPr>
-            <a:picLocks noChangeAspect="1"/>
-          </p:cNvPicPr>
-          <p:nvPr/>
-        </p:nvPicPr>
-        <p:blipFill>
-          <a:blip r:embed="rId2" cstate="print">
-            <a:extLst>
-              <a:ext uri="{28A0092B-C50C-407E-A947-70E740481C1C}">
-                <a14:useLocalDpi xmlns:a14="http://schemas.microsoft.com/office/drawing/2010/main" val="0"/>
-              </a:ext>
-            </a:extLst>
-          </a:blip>
-          <a:stretch>
-            <a:fillRect/>
-          </a:stretch>
-        </p:blipFill>
-        <p:spPr>
-          <a:xfrm>
-            <a:off x="2676137" y="1809594"/>
-            <a:ext cx="6839726" cy="3238811"/>
-          </a:xfrm>
-          <a:prstGeom prst="rect">
-            <a:avLst/>
-          </a:prstGeom>
-        </p:spPr>
-      </p:pic>
-    </p:spTree>
-    <p:extLst>
-      <p:ext uri="{BB962C8B-B14F-4D97-AF65-F5344CB8AC3E}">
         <p14:creationId xmlns:p14="http://schemas.microsoft.com/office/powerpoint/2010/main" val="3165460252"/>
-      </p:ext>
-    </p:extLst>
-  </p:cSld>
-  <p:clrMapOvr>
-    <a:masterClrMapping/>
-  </p:clrMapOvr>
-</p:sld>
-</file>
-
-<file path=ppt/slides/slide25.xml><?xml version="1.0" encoding="utf-8"?>
-<p:sld xmlns:a="http://schemas.openxmlformats.org/drawingml/2006/main" xmlns:r="http://schemas.openxmlformats.org/officeDocument/2006/relationships" xmlns:p="http://schemas.openxmlformats.org/presentationml/2006/main">
-  <p:cSld>
-    <p:spTree>
-      <p:nvGrpSpPr>
-        <p:cNvPr id="1" name=""/>
-        <p:cNvGrpSpPr/>
-        <p:nvPr/>
-      </p:nvGrpSpPr>
-      <p:grpSpPr>
-        <a:xfrm>
-          <a:off x="0" y="0"/>
-          <a:ext cx="0" cy="0"/>
-          <a:chOff x="0" y="0"/>
-          <a:chExt cx="0" cy="0"/>
-        </a:xfrm>
-      </p:grpSpPr>
-    </p:spTree>
-    <p:extLst>
-      <p:ext uri="{BB962C8B-B14F-4D97-AF65-F5344CB8AC3E}">
-        <p14:creationId xmlns:p14="http://schemas.microsoft.com/office/powerpoint/2010/main" val="3715118292"/>
       </p:ext>
     </p:extLst>
   </p:cSld>
